--- a/ppt_for_git.pptx
+++ b/ppt_for_git.pptx
@@ -289,7 +289,7 @@
             <a:fld id="{1D8BD707-D9CF-40AE-B4C6-C98DA3205C09}" type="datetimeFigureOut">
               <a:rPr lang="en-US" smtClean="0"/>
               <a:pPr/>
-              <a:t>12/20/2025</a:t>
+              <a:t>12/21/2025</a:t>
             </a:fld>
             <a:endParaRPr lang="en-US"/>
           </a:p>
@@ -456,7 +456,7 @@
             <a:fld id="{1D8BD707-D9CF-40AE-B4C6-C98DA3205C09}" type="datetimeFigureOut">
               <a:rPr lang="en-US" smtClean="0"/>
               <a:pPr/>
-              <a:t>12/20/2025</a:t>
+              <a:t>12/21/2025</a:t>
             </a:fld>
             <a:endParaRPr lang="en-US"/>
           </a:p>
@@ -633,7 +633,7 @@
             <a:fld id="{1D8BD707-D9CF-40AE-B4C6-C98DA3205C09}" type="datetimeFigureOut">
               <a:rPr lang="en-US" smtClean="0"/>
               <a:pPr/>
-              <a:t>12/20/2025</a:t>
+              <a:t>12/21/2025</a:t>
             </a:fld>
             <a:endParaRPr lang="en-US"/>
           </a:p>
@@ -800,7 +800,7 @@
             <a:fld id="{1D8BD707-D9CF-40AE-B4C6-C98DA3205C09}" type="datetimeFigureOut">
               <a:rPr lang="en-US" smtClean="0"/>
               <a:pPr/>
-              <a:t>12/20/2025</a:t>
+              <a:t>12/21/2025</a:t>
             </a:fld>
             <a:endParaRPr lang="en-US"/>
           </a:p>
@@ -1043,7 +1043,7 @@
             <a:fld id="{1D8BD707-D9CF-40AE-B4C6-C98DA3205C09}" type="datetimeFigureOut">
               <a:rPr lang="en-US" smtClean="0"/>
               <a:pPr/>
-              <a:t>12/20/2025</a:t>
+              <a:t>12/21/2025</a:t>
             </a:fld>
             <a:endParaRPr lang="en-US"/>
           </a:p>
@@ -1328,7 +1328,7 @@
             <a:fld id="{1D8BD707-D9CF-40AE-B4C6-C98DA3205C09}" type="datetimeFigureOut">
               <a:rPr lang="en-US" smtClean="0"/>
               <a:pPr/>
-              <a:t>12/20/2025</a:t>
+              <a:t>12/21/2025</a:t>
             </a:fld>
             <a:endParaRPr lang="en-US"/>
           </a:p>
@@ -1747,7 +1747,7 @@
             <a:fld id="{1D8BD707-D9CF-40AE-B4C6-C98DA3205C09}" type="datetimeFigureOut">
               <a:rPr lang="en-US" smtClean="0"/>
               <a:pPr/>
-              <a:t>12/20/2025</a:t>
+              <a:t>12/21/2025</a:t>
             </a:fld>
             <a:endParaRPr lang="en-US"/>
           </a:p>
@@ -1862,7 +1862,7 @@
             <a:fld id="{1D8BD707-D9CF-40AE-B4C6-C98DA3205C09}" type="datetimeFigureOut">
               <a:rPr lang="en-US" smtClean="0"/>
               <a:pPr/>
-              <a:t>12/20/2025</a:t>
+              <a:t>12/21/2025</a:t>
             </a:fld>
             <a:endParaRPr lang="en-US"/>
           </a:p>
@@ -1954,7 +1954,7 @@
             <a:fld id="{1D8BD707-D9CF-40AE-B4C6-C98DA3205C09}" type="datetimeFigureOut">
               <a:rPr lang="en-US" smtClean="0"/>
               <a:pPr/>
-              <a:t>12/20/2025</a:t>
+              <a:t>12/21/2025</a:t>
             </a:fld>
             <a:endParaRPr lang="en-US"/>
           </a:p>
@@ -2228,7 +2228,7 @@
             <a:fld id="{1D8BD707-D9CF-40AE-B4C6-C98DA3205C09}" type="datetimeFigureOut">
               <a:rPr lang="en-US" smtClean="0"/>
               <a:pPr/>
-              <a:t>12/20/2025</a:t>
+              <a:t>12/21/2025</a:t>
             </a:fld>
             <a:endParaRPr lang="en-US"/>
           </a:p>
@@ -2478,7 +2478,7 @@
             <a:fld id="{1D8BD707-D9CF-40AE-B4C6-C98DA3205C09}" type="datetimeFigureOut">
               <a:rPr lang="en-US" smtClean="0"/>
               <a:pPr/>
-              <a:t>12/20/2025</a:t>
+              <a:t>12/21/2025</a:t>
             </a:fld>
             <a:endParaRPr lang="en-US"/>
           </a:p>
@@ -2688,7 +2688,7 @@
             <a:fld id="{1D8BD707-D9CF-40AE-B4C6-C98DA3205C09}" type="datetimeFigureOut">
               <a:rPr lang="en-US" smtClean="0"/>
               <a:pPr/>
-              <a:t>12/20/2025</a:t>
+              <a:t>12/21/2025</a:t>
             </a:fld>
             <a:endParaRPr lang="en-US"/>
           </a:p>
@@ -3076,7 +3076,9 @@
           </a:xfrm>
         </p:spPr>
         <p:txBody>
-          <a:bodyPr/>
+          <a:bodyPr>
+            <a:normAutofit fontScale="90000"/>
+          </a:bodyPr>
           <a:lstStyle/>
           <a:p>
             <a:r>
@@ -3089,12 +3091,55 @@
             </a:r>
             <a:r>
               <a:rPr lang="en-US" dirty="0" smtClean="0"/>
+              <a:t> tracking</a:t>
+            </a:r>
+            <a:r>
+              <a:rPr lang="en-US" dirty="0" smtClean="0"/>
+              <a:t>. Is </a:t>
+            </a:r>
+            <a:r>
+              <a:rPr lang="en-US" dirty="0" err="1" smtClean="0"/>
+              <a:t>ko</a:t>
+            </a:r>
+            <a:r>
+              <a:rPr lang="en-US" dirty="0" smtClean="0"/>
               <a:t> </a:t>
             </a:r>
             <a:r>
+              <a:rPr lang="en-US" dirty="0" err="1" smtClean="0"/>
+              <a:t>aur</a:t>
+            </a:r>
+            <a:r>
               <a:rPr lang="en-US" dirty="0" smtClean="0"/>
-              <a:t>tracking.</a:t>
-            </a:r>
+              <a:t> </a:t>
+            </a:r>
+            <a:r>
+              <a:rPr lang="en-US" dirty="0" err="1" smtClean="0"/>
+              <a:t>thoda</a:t>
+            </a:r>
+            <a:r>
+              <a:rPr lang="en-US" dirty="0" smtClean="0"/>
+              <a:t> change </a:t>
+            </a:r>
+            <a:r>
+              <a:rPr lang="en-US" dirty="0" err="1" smtClean="0"/>
+              <a:t>karte</a:t>
+            </a:r>
+            <a:r>
+              <a:rPr lang="en-US" dirty="0" smtClean="0"/>
+              <a:t> </a:t>
+            </a:r>
+            <a:r>
+              <a:rPr lang="en-US" dirty="0" err="1" smtClean="0"/>
+              <a:t>hai</a:t>
+            </a:r>
+            <a:r>
+              <a:rPr lang="en-US" smtClean="0"/>
+              <a:t>.</a:t>
+            </a:r>
+            <a:br>
+              <a:rPr lang="en-US" smtClean="0"/>
+            </a:br>
             <a:endParaRPr lang="en-US" dirty="0"/>
           </a:p>
         </p:txBody>
